--- a/LTI Template Bus RFeservation System.pptx
+++ b/LTI Template Bus RFeservation System.pptx
@@ -1902,7 +1902,6 @@
             <a:headEnd/>
             <a:tailEnd/>
           </a:ln>
-          <a:extLst/>
         </p:spPr>
         <p:txBody>
           <a:bodyPr anchor="t"/>
@@ -3000,7 +2999,6 @@
             <a:headEnd/>
             <a:tailEnd/>
           </a:ln>
-          <a:extLst/>
         </p:spPr>
         <p:txBody>
           <a:bodyPr anchor="t"/>
@@ -4687,7 +4685,7 @@
               <a:defRPr/>
             </a:pPr>
             <a:r>
-              <a:rPr lang="en-US" sz="2800" b="1" dirty="0" smtClean="0">
+              <a:rPr lang="en-US" sz="2800" b="1" dirty="0">
                 <a:solidFill>
                   <a:srgbClr val="000000"/>
                 </a:solidFill>
@@ -4704,7 +4702,23 @@
               <a:t>Topic : Bus Reservation System</a:t>
             </a:r>
             <a:br>
-              <a:rPr lang="en-US" sz="2800" b="1" dirty="0" smtClean="0">
+              <a:rPr lang="en-US" sz="2800" b="1" dirty="0">
+                <a:solidFill>
+                  <a:srgbClr val="000000"/>
+                </a:solidFill>
+                <a:effectLst>
+                  <a:outerShdw blurRad="38100" dist="38100" dir="2700000" algn="tl">
+                    <a:srgbClr val="000000">
+                      <a:alpha val="43137"/>
+                    </a:srgbClr>
+                  </a:outerShdw>
+                </a:effectLst>
+                <a:latin typeface="Times New Roman" pitchFamily="18" charset="0"/>
+                <a:cs typeface="Times New Roman" pitchFamily="18" charset="0"/>
+              </a:rPr>
+            </a:br>
+            <a:br>
+              <a:rPr lang="en-US" sz="2800" b="1" dirty="0">
                 <a:solidFill>
                   <a:srgbClr val="000000"/>
                 </a:solidFill>
@@ -4720,40 +4734,7 @@
               </a:rPr>
             </a:br>
             <a:r>
-              <a:rPr lang="en-US" sz="2800" b="1" dirty="0" smtClean="0">
-                <a:solidFill>
-                  <a:srgbClr val="000000"/>
-                </a:solidFill>
-                <a:effectLst>
-                  <a:outerShdw blurRad="38100" dist="38100" dir="2700000" algn="tl">
-                    <a:srgbClr val="000000">
-                      <a:alpha val="43137"/>
-                    </a:srgbClr>
-                  </a:outerShdw>
-                </a:effectLst>
-                <a:latin typeface="Times New Roman" pitchFamily="18" charset="0"/>
-                <a:cs typeface="Times New Roman" pitchFamily="18" charset="0"/>
-              </a:rPr>
-              <a:t/>
-            </a:r>
-            <a:br>
-              <a:rPr lang="en-US" sz="2800" b="1" dirty="0" smtClean="0">
-                <a:solidFill>
-                  <a:srgbClr val="000000"/>
-                </a:solidFill>
-                <a:effectLst>
-                  <a:outerShdw blurRad="38100" dist="38100" dir="2700000" algn="tl">
-                    <a:srgbClr val="000000">
-                      <a:alpha val="43137"/>
-                    </a:srgbClr>
-                  </a:outerShdw>
-                </a:effectLst>
-                <a:latin typeface="Times New Roman" pitchFamily="18" charset="0"/>
-                <a:cs typeface="Times New Roman" pitchFamily="18" charset="0"/>
-              </a:rPr>
-            </a:br>
-            <a:r>
-              <a:rPr lang="en-US" sz="2800" b="1" dirty="0" smtClean="0">
+              <a:rPr lang="en-US" sz="2800" b="1" dirty="0">
                 <a:solidFill>
                   <a:srgbClr val="000000"/>
                 </a:solidFill>
@@ -4770,7 +4751,23 @@
               <a:t> Team Members</a:t>
             </a:r>
             <a:br>
-              <a:rPr lang="en-US" sz="2800" b="1" dirty="0" smtClean="0">
+              <a:rPr lang="en-US" sz="2800" b="1" dirty="0">
+                <a:solidFill>
+                  <a:srgbClr val="000000"/>
+                </a:solidFill>
+                <a:effectLst>
+                  <a:outerShdw blurRad="38100" dist="38100" dir="2700000" algn="tl">
+                    <a:srgbClr val="000000">
+                      <a:alpha val="43137"/>
+                    </a:srgbClr>
+                  </a:outerShdw>
+                </a:effectLst>
+                <a:latin typeface="Times New Roman" pitchFamily="18" charset="0"/>
+                <a:cs typeface="Times New Roman" pitchFamily="18" charset="0"/>
+              </a:rPr>
+            </a:br>
+            <a:br>
+              <a:rPr lang="en-US" sz="2800" b="1" dirty="0">
                 <a:solidFill>
                   <a:srgbClr val="000000"/>
                 </a:solidFill>
@@ -4786,40 +4783,7 @@
               </a:rPr>
             </a:br>
             <a:r>
-              <a:rPr lang="en-US" sz="2800" b="1" dirty="0" smtClean="0">
-                <a:solidFill>
-                  <a:srgbClr val="000000"/>
-                </a:solidFill>
-                <a:effectLst>
-                  <a:outerShdw blurRad="38100" dist="38100" dir="2700000" algn="tl">
-                    <a:srgbClr val="000000">
-                      <a:alpha val="43137"/>
-                    </a:srgbClr>
-                  </a:outerShdw>
-                </a:effectLst>
-                <a:latin typeface="Times New Roman" pitchFamily="18" charset="0"/>
-                <a:cs typeface="Times New Roman" pitchFamily="18" charset="0"/>
-              </a:rPr>
-              <a:t/>
-            </a:r>
-            <a:br>
-              <a:rPr lang="en-US" sz="2800" b="1" dirty="0" smtClean="0">
-                <a:solidFill>
-                  <a:srgbClr val="000000"/>
-                </a:solidFill>
-                <a:effectLst>
-                  <a:outerShdw blurRad="38100" dist="38100" dir="2700000" algn="tl">
-                    <a:srgbClr val="000000">
-                      <a:alpha val="43137"/>
-                    </a:srgbClr>
-                  </a:outerShdw>
-                </a:effectLst>
-                <a:latin typeface="Times New Roman" pitchFamily="18" charset="0"/>
-                <a:cs typeface="Times New Roman" pitchFamily="18" charset="0"/>
-              </a:rPr>
-            </a:br>
-            <a:r>
-              <a:rPr lang="en-US" sz="1800" b="1" dirty="0" err="1" smtClean="0">
+              <a:rPr lang="en-US" sz="1800" b="1" dirty="0" err="1">
                 <a:solidFill>
                   <a:srgbClr val="000000"/>
                 </a:solidFill>
@@ -4836,7 +4800,7 @@
               <a:t>Jatin</a:t>
             </a:r>
             <a:r>
-              <a:rPr lang="en-US" sz="1800" b="1" dirty="0" smtClean="0">
+              <a:rPr lang="en-US" sz="1800" b="1" dirty="0">
                 <a:solidFill>
                   <a:srgbClr val="000000"/>
                 </a:solidFill>
@@ -4853,7 +4817,7 @@
               <a:t> </a:t>
             </a:r>
             <a:r>
-              <a:rPr lang="en-US" sz="1800" b="1" dirty="0" err="1" smtClean="0">
+              <a:rPr lang="en-US" sz="1800" b="1" dirty="0" err="1">
                 <a:solidFill>
                   <a:srgbClr val="000000"/>
                 </a:solidFill>
@@ -4870,7 +4834,7 @@
               <a:t>Pokale</a:t>
             </a:r>
             <a:r>
-              <a:rPr lang="en-US" sz="1800" b="1" dirty="0" smtClean="0">
+              <a:rPr lang="en-US" sz="1800" b="1" dirty="0">
                 <a:solidFill>
                   <a:srgbClr val="000000"/>
                 </a:solidFill>
@@ -4887,7 +4851,7 @@
               <a:t>(TL)</a:t>
             </a:r>
             <a:br>
-              <a:rPr lang="en-US" sz="1800" b="1" dirty="0" smtClean="0">
+              <a:rPr lang="en-US" sz="1800" b="1" dirty="0">
                 <a:solidFill>
                   <a:srgbClr val="000000"/>
                 </a:solidFill>
@@ -4903,7 +4867,7 @@
               </a:rPr>
             </a:br>
             <a:r>
-              <a:rPr lang="en-US" sz="1800" b="1" dirty="0" smtClean="0">
+              <a:rPr lang="en-US" sz="1800" b="1" dirty="0">
                 <a:solidFill>
                   <a:srgbClr val="000000"/>
                 </a:solidFill>
@@ -4920,7 +4884,7 @@
               <a:t>Swarali Shitole</a:t>
             </a:r>
             <a:br>
-              <a:rPr lang="en-US" sz="1800" b="1" dirty="0" smtClean="0">
+              <a:rPr lang="en-US" sz="1800" b="1" dirty="0">
                 <a:solidFill>
                   <a:srgbClr val="000000"/>
                 </a:solidFill>
@@ -4936,7 +4900,7 @@
               </a:rPr>
             </a:br>
             <a:r>
-              <a:rPr lang="en-US" sz="1800" b="1" dirty="0" err="1" smtClean="0">
+              <a:rPr lang="en-US" sz="1800" b="1" dirty="0" err="1">
                 <a:solidFill>
                   <a:srgbClr val="000000"/>
                 </a:solidFill>
@@ -4953,7 +4917,7 @@
               <a:t>Nidhi</a:t>
             </a:r>
             <a:r>
-              <a:rPr lang="en-US" sz="1800" b="1" dirty="0" smtClean="0">
+              <a:rPr lang="en-US" sz="1800" b="1" dirty="0">
                 <a:solidFill>
                   <a:srgbClr val="000000"/>
                 </a:solidFill>
@@ -4970,7 +4934,7 @@
               <a:t> </a:t>
             </a:r>
             <a:r>
-              <a:rPr lang="en-US" sz="1800" b="1" dirty="0" err="1" smtClean="0">
+              <a:rPr lang="en-US" sz="1800" b="1" dirty="0" err="1">
                 <a:solidFill>
                   <a:srgbClr val="000000"/>
                 </a:solidFill>
@@ -4986,25 +4950,8 @@
               </a:rPr>
               <a:t>Jha</a:t>
             </a:r>
-            <a:r>
-              <a:rPr lang="en-US" sz="1800" b="1" dirty="0" smtClean="0">
-                <a:solidFill>
-                  <a:srgbClr val="000000"/>
-                </a:solidFill>
-                <a:effectLst>
-                  <a:outerShdw blurRad="38100" dist="38100" dir="2700000" algn="tl">
-                    <a:srgbClr val="000000">
-                      <a:alpha val="43137"/>
-                    </a:srgbClr>
-                  </a:outerShdw>
-                </a:effectLst>
-                <a:latin typeface="Times New Roman" pitchFamily="18" charset="0"/>
-                <a:cs typeface="Times New Roman" pitchFamily="18" charset="0"/>
-              </a:rPr>
-              <a:t/>
-            </a:r>
             <a:br>
-              <a:rPr lang="en-US" sz="1800" b="1" dirty="0" smtClean="0">
+              <a:rPr lang="en-US" sz="1800" b="1" dirty="0">
                 <a:solidFill>
                   <a:srgbClr val="000000"/>
                 </a:solidFill>
@@ -5020,7 +4967,7 @@
               </a:rPr>
             </a:br>
             <a:r>
-              <a:rPr lang="en-US" sz="1800" b="1" dirty="0" err="1" smtClean="0">
+              <a:rPr lang="en-US" sz="1800" b="1" dirty="0" err="1">
                 <a:solidFill>
                   <a:srgbClr val="000000"/>
                 </a:solidFill>
@@ -5036,25 +4983,8 @@
               </a:rPr>
               <a:t>Sivasankaran</a:t>
             </a:r>
-            <a:r>
-              <a:rPr lang="en-US" sz="2800" b="1" dirty="0" smtClean="0">
-                <a:solidFill>
-                  <a:srgbClr val="000000"/>
-                </a:solidFill>
-                <a:effectLst>
-                  <a:outerShdw blurRad="38100" dist="38100" dir="2700000" algn="tl">
-                    <a:srgbClr val="000000">
-                      <a:alpha val="43137"/>
-                    </a:srgbClr>
-                  </a:outerShdw>
-                </a:effectLst>
-                <a:latin typeface="Times New Roman" pitchFamily="18" charset="0"/>
-                <a:cs typeface="Times New Roman" pitchFamily="18" charset="0"/>
-              </a:rPr>
-              <a:t/>
-            </a:r>
             <a:br>
-              <a:rPr lang="en-US" sz="2800" b="1" dirty="0" smtClean="0">
+              <a:rPr lang="en-US" sz="2800" b="1" dirty="0">
                 <a:solidFill>
                   <a:srgbClr val="000000"/>
                 </a:solidFill>
@@ -5069,31 +4999,15 @@
                 <a:cs typeface="Times New Roman" pitchFamily="18" charset="0"/>
               </a:rPr>
             </a:br>
-            <a:r>
-              <a:rPr lang="en-US" sz="2800" b="1" dirty="0" smtClean="0">
-                <a:solidFill>
-                  <a:srgbClr val="000000"/>
-                </a:solidFill>
-              </a:rPr>
-              <a:t/>
-            </a:r>
             <a:br>
-              <a:rPr lang="en-US" sz="2800" b="1" dirty="0" smtClean="0">
+              <a:rPr lang="en-US" sz="2800" b="1" dirty="0">
                 <a:solidFill>
                   <a:srgbClr val="000000"/>
                 </a:solidFill>
               </a:rPr>
             </a:br>
-            <a:r>
-              <a:rPr lang="en-US" sz="2800" b="1" dirty="0" smtClean="0">
-                <a:solidFill>
-                  <a:srgbClr val="000000"/>
-                </a:solidFill>
-              </a:rPr>
-              <a:t/>
-            </a:r>
             <a:br>
-              <a:rPr lang="en-US" sz="2800" b="1" dirty="0" smtClean="0">
+              <a:rPr lang="en-US" sz="2800" b="1" dirty="0">
                 <a:solidFill>
                   <a:srgbClr val="000000"/>
                 </a:solidFill>
@@ -5153,7 +5067,7 @@
           <a:lstStyle/>
           <a:p>
             <a:r>
-              <a:rPr lang="en-US" dirty="0" smtClean="0">
+              <a:rPr lang="en-US" dirty="0">
                 <a:latin typeface="Times New Roman" pitchFamily="18" charset="0"/>
                 <a:cs typeface="Times New Roman" pitchFamily="18" charset="0"/>
               </a:rPr>
@@ -5849,7 +5763,7 @@
           <a:lstStyle/>
           <a:p>
             <a:r>
-              <a:rPr lang="en-SG" dirty="0" smtClean="0">
+              <a:rPr lang="en-SG" dirty="0">
                 <a:latin typeface="Times New Roman" pitchFamily="18" charset="0"/>
                 <a:cs typeface="Times New Roman" pitchFamily="18" charset="0"/>
               </a:rPr>
@@ -5858,27 +5772,16 @@
           </a:p>
           <a:p>
             <a:r>
-              <a:rPr lang="en-SG" dirty="0" smtClean="0">
+              <a:rPr lang="en-SG" dirty="0">
                 <a:latin typeface="Times New Roman" pitchFamily="18" charset="0"/>
                 <a:cs typeface="Times New Roman" pitchFamily="18" charset="0"/>
               </a:rPr>
-              <a:t>Features of </a:t>
+              <a:t>Features of System</a:t>
             </a:r>
+          </a:p>
+          <a:p>
             <a:r>
-              <a:rPr lang="en-SG" dirty="0" smtClean="0">
-                <a:latin typeface="Times New Roman" pitchFamily="18" charset="0"/>
-                <a:cs typeface="Times New Roman" pitchFamily="18" charset="0"/>
-              </a:rPr>
-              <a:t>System</a:t>
-            </a:r>
-            <a:endParaRPr lang="en-SG" dirty="0" smtClean="0">
-              <a:latin typeface="Times New Roman" pitchFamily="18" charset="0"/>
-              <a:cs typeface="Times New Roman" pitchFamily="18" charset="0"/>
-            </a:endParaRPr>
-          </a:p>
-          <a:p>
-            <a:r>
-              <a:rPr lang="en-SG" dirty="0" smtClean="0">
+              <a:rPr lang="en-SG" dirty="0">
                 <a:latin typeface="Times New Roman" pitchFamily="18" charset="0"/>
                 <a:cs typeface="Times New Roman" pitchFamily="18" charset="0"/>
               </a:rPr>
@@ -5887,7 +5790,7 @@
           </a:p>
           <a:p>
             <a:r>
-              <a:rPr lang="en-SG" dirty="0" smtClean="0">
+              <a:rPr lang="en-SG" dirty="0">
                 <a:latin typeface="Times New Roman" pitchFamily="18" charset="0"/>
                 <a:cs typeface="Times New Roman" pitchFamily="18" charset="0"/>
               </a:rPr>
@@ -5896,7 +5799,7 @@
           </a:p>
           <a:p>
             <a:r>
-              <a:rPr lang="en-SG" dirty="0" smtClean="0">
+              <a:rPr lang="en-SG" dirty="0">
                 <a:latin typeface="Times New Roman" pitchFamily="18" charset="0"/>
                 <a:cs typeface="Times New Roman" pitchFamily="18" charset="0"/>
               </a:rPr>
@@ -5905,27 +5808,16 @@
           </a:p>
           <a:p>
             <a:r>
-              <a:rPr lang="en-SG" dirty="0" smtClean="0">
+              <a:rPr lang="en-SG" dirty="0">
                 <a:latin typeface="Times New Roman" pitchFamily="18" charset="0"/>
                 <a:cs typeface="Times New Roman" pitchFamily="18" charset="0"/>
               </a:rPr>
-              <a:t>Database </a:t>
+              <a:t>Database Diagram</a:t>
             </a:r>
+          </a:p>
+          <a:p>
             <a:r>
-              <a:rPr lang="en-SG" dirty="0" smtClean="0">
-                <a:latin typeface="Times New Roman" pitchFamily="18" charset="0"/>
-                <a:cs typeface="Times New Roman" pitchFamily="18" charset="0"/>
-              </a:rPr>
-              <a:t>Diagram</a:t>
-            </a:r>
-            <a:endParaRPr lang="en-SG" dirty="0" smtClean="0">
-              <a:latin typeface="Times New Roman" pitchFamily="18" charset="0"/>
-              <a:cs typeface="Times New Roman" pitchFamily="18" charset="0"/>
-            </a:endParaRPr>
-          </a:p>
-          <a:p>
-            <a:r>
-              <a:rPr lang="en-SG" dirty="0" smtClean="0">
+              <a:rPr lang="en-SG" dirty="0">
                 <a:latin typeface="Times New Roman" pitchFamily="18" charset="0"/>
                 <a:cs typeface="Times New Roman" pitchFamily="18" charset="0"/>
               </a:rPr>
@@ -5936,13 +5828,13 @@
             <a:pPr marL="0" indent="0">
               <a:buNone/>
             </a:pPr>
-            <a:endParaRPr lang="en-SG" dirty="0" smtClean="0">
+            <a:endParaRPr lang="en-SG" dirty="0">
               <a:latin typeface="Times New Roman" pitchFamily="18" charset="0"/>
               <a:cs typeface="Times New Roman" pitchFamily="18" charset="0"/>
             </a:endParaRPr>
           </a:p>
           <a:p>
-            <a:endParaRPr lang="en-SG" dirty="0" smtClean="0">
+            <a:endParaRPr lang="en-SG" dirty="0">
               <a:latin typeface="Times New Roman" pitchFamily="18" charset="0"/>
               <a:cs typeface="Times New Roman" pitchFamily="18" charset="0"/>
             </a:endParaRPr>
@@ -5971,16 +5863,12 @@
           <a:lstStyle/>
           <a:p>
             <a:r>
-              <a:rPr lang="en-US" dirty="0" smtClean="0">
+              <a:rPr lang="en-US" dirty="0">
                 <a:latin typeface="Times New Roman" pitchFamily="18" charset="0"/>
                 <a:cs typeface="Times New Roman" pitchFamily="18" charset="0"/>
               </a:rPr>
               <a:t>CONTEXT</a:t>
             </a:r>
-            <a:endParaRPr lang="en-US" dirty="0">
-              <a:latin typeface="Times New Roman" pitchFamily="18" charset="0"/>
-              <a:cs typeface="Times New Roman" pitchFamily="18" charset="0"/>
-            </a:endParaRPr>
           </a:p>
         </p:txBody>
       </p:sp>
@@ -6265,8 +6153,37 @@
         </p:blipFill>
         <p:spPr>
           <a:xfrm>
-            <a:off x="700645" y="607052"/>
+            <a:off x="718457" y="614672"/>
             <a:ext cx="7707086" cy="3454309"/>
+          </a:xfrm>
+          <a:prstGeom prst="rect">
+            <a:avLst/>
+          </a:prstGeom>
+        </p:spPr>
+      </p:pic>
+      <p:pic>
+        <p:nvPicPr>
+          <p:cNvPr id="3" name="Picture 2">
+            <a:extLst>
+              <a:ext uri="{FF2B5EF4-FFF2-40B4-BE49-F238E27FC236}">
+                <a16:creationId xmlns:a16="http://schemas.microsoft.com/office/drawing/2014/main" id="{21F6F06B-795E-47CC-BBD9-F3296C533B29}"/>
+              </a:ext>
+            </a:extLst>
+          </p:cNvPr>
+          <p:cNvPicPr>
+            <a:picLocks noChangeAspect="1"/>
+          </p:cNvPicPr>
+          <p:nvPr/>
+        </p:nvPicPr>
+        <p:blipFill rotWithShape="1">
+          <a:blip r:embed="rId4"/>
+          <a:srcRect l="33685" t="49584" r="58908" b="46712"/>
+          <a:stretch/>
+        </p:blipFill>
+        <p:spPr>
+          <a:xfrm>
+            <a:off x="1188720" y="3063240"/>
+            <a:ext cx="609600" cy="190500"/>
           </a:xfrm>
           <a:prstGeom prst="rect">
             <a:avLst/>
@@ -6326,6 +6243,35 @@
           </a:prstGeom>
         </p:spPr>
       </p:pic>
+      <p:pic>
+        <p:nvPicPr>
+          <p:cNvPr id="3" name="Picture 2">
+            <a:extLst>
+              <a:ext uri="{FF2B5EF4-FFF2-40B4-BE49-F238E27FC236}">
+                <a16:creationId xmlns:a16="http://schemas.microsoft.com/office/drawing/2014/main" id="{3C684594-4F48-4748-954D-BC65884279DC}"/>
+              </a:ext>
+            </a:extLst>
+          </p:cNvPr>
+          <p:cNvPicPr>
+            <a:picLocks noChangeAspect="1"/>
+          </p:cNvPicPr>
+          <p:nvPr/>
+        </p:nvPicPr>
+        <p:blipFill rotWithShape="1">
+          <a:blip r:embed="rId4"/>
+          <a:srcRect l="33934" t="49926" r="58381" b="46963"/>
+          <a:stretch/>
+        </p:blipFill>
+        <p:spPr>
+          <a:xfrm>
+            <a:off x="1135380" y="3398520"/>
+            <a:ext cx="777240" cy="196651"/>
+          </a:xfrm>
+          <a:prstGeom prst="rect">
+            <a:avLst/>
+          </a:prstGeom>
+        </p:spPr>
+      </p:pic>
     </p:spTree>
     <p:extLst>
       <p:ext uri="{BB962C8B-B14F-4D97-AF65-F5344CB8AC3E}">
@@ -6373,16 +6319,12 @@
           <a:p>
             <a:pPr algn="ctr"/>
             <a:r>
-              <a:rPr lang="en-IN" dirty="0" smtClean="0">
+              <a:rPr lang="en-IN" dirty="0">
                 <a:latin typeface="Times New Roman" pitchFamily="18" charset="0"/>
                 <a:cs typeface="Times New Roman" pitchFamily="18" charset="0"/>
               </a:rPr>
               <a:t>THANK YOU</a:t>
             </a:r>
-            <a:endParaRPr lang="en-IN" dirty="0">
-              <a:latin typeface="Times New Roman" pitchFamily="18" charset="0"/>
-              <a:cs typeface="Times New Roman" pitchFamily="18" charset="0"/>
-            </a:endParaRPr>
           </a:p>
         </p:txBody>
       </p:sp>
@@ -6447,21 +6389,14 @@
                 <a:latin typeface="Times New Roman" pitchFamily="18" charset="0"/>
                 <a:cs typeface="Times New Roman" pitchFamily="18" charset="0"/>
               </a:rPr>
-              <a:t> </a:t>
-            </a:r>
-            <a:r>
-              <a:rPr lang="en-US" dirty="0" smtClean="0">
-                <a:latin typeface="Times New Roman" pitchFamily="18" charset="0"/>
-                <a:cs typeface="Times New Roman" pitchFamily="18" charset="0"/>
-              </a:rPr>
-              <a:t>         </a:t>
+              <a:t>          </a:t>
             </a:r>
             <a:r>
               <a:rPr lang="en-US" dirty="0"/>
               <a:t>Online bus reservation system is a project which provides an online portal for bus ticket reservation. This application allows customers to book bus tickets from anywhere and anytime. The customer can easily book and cancel their tickets at their comfort. The customer can view all the details of the seats, bus, and route along with pictures. The customer can also view and download the details of the journey and journey timings. This will give customer an overview of the journey and will be a hassle-free task of doing bus reservation at fingertips.</a:t>
             </a:r>
             <a:r>
-              <a:rPr lang="en-US" dirty="0" smtClean="0">
+              <a:rPr lang="en-US" dirty="0">
                 <a:latin typeface="Times New Roman" pitchFamily="18" charset="0"/>
                 <a:cs typeface="Times New Roman" pitchFamily="18" charset="0"/>
               </a:rPr>
@@ -6490,16 +6425,12 @@
           <a:lstStyle/>
           <a:p>
             <a:r>
-              <a:rPr lang="en-IN" dirty="0" smtClean="0">
+              <a:rPr lang="en-IN" dirty="0">
                 <a:latin typeface="Times New Roman" pitchFamily="18" charset="0"/>
                 <a:cs typeface="Times New Roman" pitchFamily="18" charset="0"/>
               </a:rPr>
               <a:t>Introduction</a:t>
             </a:r>
-            <a:endParaRPr lang="en-IN" dirty="0">
-              <a:latin typeface="Times New Roman" pitchFamily="18" charset="0"/>
-              <a:cs typeface="Times New Roman" pitchFamily="18" charset="0"/>
-            </a:endParaRPr>
           </a:p>
         </p:txBody>
       </p:sp>
@@ -6553,19 +6484,12 @@
                 <a:latin typeface="Times New Roman" pitchFamily="18" charset="0"/>
                 <a:cs typeface="Times New Roman" pitchFamily="18" charset="0"/>
               </a:rPr>
-              <a:t>C</a:t>
+              <a:t>Convenient method of Bus Reservation.</a:t>
             </a:r>
+          </a:p>
+          <a:p>
             <a:r>
-              <a:rPr lang="en-IN" dirty="0" smtClean="0">
-                <a:latin typeface="Times New Roman" pitchFamily="18" charset="0"/>
-                <a:cs typeface="Times New Roman" pitchFamily="18" charset="0"/>
-              </a:rPr>
-              <a:t>onvenient method of Bus Reservation.</a:t>
-            </a:r>
-          </a:p>
-          <a:p>
-            <a:r>
-              <a:rPr lang="en-IN" dirty="0" smtClean="0">
+              <a:rPr lang="en-IN" dirty="0">
                 <a:latin typeface="Times New Roman" pitchFamily="18" charset="0"/>
                 <a:cs typeface="Times New Roman" pitchFamily="18" charset="0"/>
               </a:rPr>
@@ -6574,7 +6498,7 @@
           </a:p>
           <a:p>
             <a:r>
-              <a:rPr lang="en-IN" dirty="0" smtClean="0">
+              <a:rPr lang="en-IN" dirty="0">
                 <a:latin typeface="Times New Roman" pitchFamily="18" charset="0"/>
                 <a:cs typeface="Times New Roman" pitchFamily="18" charset="0"/>
               </a:rPr>
@@ -6583,7 +6507,7 @@
           </a:p>
           <a:p>
             <a:r>
-              <a:rPr lang="en-IN" dirty="0" smtClean="0">
+              <a:rPr lang="en-IN" dirty="0">
                 <a:latin typeface="Times New Roman" pitchFamily="18" charset="0"/>
                 <a:cs typeface="Times New Roman" pitchFamily="18" charset="0"/>
               </a:rPr>
@@ -6592,7 +6516,7 @@
           </a:p>
           <a:p>
             <a:r>
-              <a:rPr lang="en-IN" dirty="0" smtClean="0">
+              <a:rPr lang="en-IN" dirty="0">
                 <a:latin typeface="Times New Roman" pitchFamily="18" charset="0"/>
                 <a:cs typeface="Times New Roman" pitchFamily="18" charset="0"/>
               </a:rPr>
@@ -6601,7 +6525,7 @@
           </a:p>
           <a:p>
             <a:r>
-              <a:rPr lang="en-IN" dirty="0" smtClean="0">
+              <a:rPr lang="en-IN" dirty="0">
                 <a:latin typeface="Times New Roman" pitchFamily="18" charset="0"/>
                 <a:cs typeface="Times New Roman" pitchFamily="18" charset="0"/>
               </a:rPr>
@@ -6609,7 +6533,7 @@
             </a:r>
           </a:p>
           <a:p>
-            <a:endParaRPr lang="en-IN" dirty="0" smtClean="0"/>
+            <a:endParaRPr lang="en-IN" dirty="0"/>
           </a:p>
           <a:p>
             <a:endParaRPr lang="en-IN" dirty="0"/>
@@ -6632,16 +6556,12 @@
           <a:lstStyle/>
           <a:p>
             <a:r>
-              <a:rPr lang="en-IN" dirty="0" smtClean="0">
+              <a:rPr lang="en-IN" dirty="0">
                 <a:latin typeface="Times New Roman" pitchFamily="18" charset="0"/>
                 <a:cs typeface="Times New Roman" pitchFamily="18" charset="0"/>
               </a:rPr>
               <a:t>Features</a:t>
             </a:r>
-            <a:endParaRPr lang="en-IN" dirty="0">
-              <a:latin typeface="Times New Roman" pitchFamily="18" charset="0"/>
-              <a:cs typeface="Times New Roman" pitchFamily="18" charset="0"/>
-            </a:endParaRPr>
           </a:p>
         </p:txBody>
       </p:sp>
@@ -6691,7 +6611,7 @@
           <a:lstStyle/>
           <a:p>
             <a:r>
-              <a:rPr lang="en-IN" dirty="0" smtClean="0">
+              <a:rPr lang="en-IN" dirty="0">
                 <a:latin typeface="Times New Roman" pitchFamily="18" charset="0"/>
                 <a:cs typeface="Times New Roman" pitchFamily="18" charset="0"/>
               </a:rPr>
@@ -6707,14 +6627,7 @@
                 <a:latin typeface="Times New Roman" pitchFamily="18" charset="0"/>
                 <a:cs typeface="Times New Roman" pitchFamily="18" charset="0"/>
               </a:rPr>
-              <a:t> </a:t>
-            </a:r>
-            <a:r>
-              <a:rPr lang="en-IN" dirty="0" smtClean="0">
-                <a:latin typeface="Times New Roman" pitchFamily="18" charset="0"/>
-                <a:cs typeface="Times New Roman" pitchFamily="18" charset="0"/>
-              </a:rPr>
-              <a:t>   C#</a:t>
+              <a:t>    C#</a:t>
             </a:r>
           </a:p>
           <a:p>
@@ -6726,19 +6639,12 @@
                 <a:latin typeface="Times New Roman" pitchFamily="18" charset="0"/>
                 <a:cs typeface="Times New Roman" pitchFamily="18" charset="0"/>
               </a:rPr>
-              <a:t> </a:t>
+              <a:t>     ASP.NET Web API</a:t>
             </a:r>
+          </a:p>
+          <a:p>
             <a:r>
-              <a:rPr lang="en-IN" dirty="0" smtClean="0">
-                <a:latin typeface="Times New Roman" pitchFamily="18" charset="0"/>
-                <a:cs typeface="Times New Roman" pitchFamily="18" charset="0"/>
-              </a:rPr>
-              <a:t>    ASP.NET Web API</a:t>
-            </a:r>
-          </a:p>
-          <a:p>
-            <a:r>
-              <a:rPr lang="en-IN" dirty="0" smtClean="0">
+              <a:rPr lang="en-IN" dirty="0">
                 <a:latin typeface="Times New Roman" pitchFamily="18" charset="0"/>
                 <a:cs typeface="Times New Roman" pitchFamily="18" charset="0"/>
               </a:rPr>
@@ -6754,14 +6660,7 @@
                 <a:latin typeface="Times New Roman" pitchFamily="18" charset="0"/>
                 <a:cs typeface="Times New Roman" pitchFamily="18" charset="0"/>
               </a:rPr>
-              <a:t> </a:t>
-            </a:r>
-            <a:r>
-              <a:rPr lang="en-IN" dirty="0" smtClean="0">
-                <a:latin typeface="Times New Roman" pitchFamily="18" charset="0"/>
-                <a:cs typeface="Times New Roman" pitchFamily="18" charset="0"/>
-              </a:rPr>
-              <a:t>   HTML</a:t>
+              <a:t>    HTML</a:t>
             </a:r>
           </a:p>
           <a:p>
@@ -6773,14 +6672,7 @@
                 <a:latin typeface="Times New Roman" pitchFamily="18" charset="0"/>
                 <a:cs typeface="Times New Roman" pitchFamily="18" charset="0"/>
               </a:rPr>
-              <a:t> </a:t>
-            </a:r>
-            <a:r>
-              <a:rPr lang="en-IN" dirty="0" smtClean="0">
-                <a:latin typeface="Times New Roman" pitchFamily="18" charset="0"/>
-                <a:cs typeface="Times New Roman" pitchFamily="18" charset="0"/>
-              </a:rPr>
-              <a:t>   CSS</a:t>
+              <a:t>    CSS</a:t>
             </a:r>
           </a:p>
           <a:p>
@@ -6792,14 +6684,7 @@
                 <a:latin typeface="Times New Roman" pitchFamily="18" charset="0"/>
                 <a:cs typeface="Times New Roman" pitchFamily="18" charset="0"/>
               </a:rPr>
-              <a:t> </a:t>
-            </a:r>
-            <a:r>
-              <a:rPr lang="en-IN" dirty="0" smtClean="0">
-                <a:latin typeface="Times New Roman" pitchFamily="18" charset="0"/>
-                <a:cs typeface="Times New Roman" pitchFamily="18" charset="0"/>
-              </a:rPr>
-              <a:t>    Angular</a:t>
+              <a:t>     Angular</a:t>
             </a:r>
           </a:p>
           <a:p>
@@ -6808,13 +6693,8 @@
             </a:pPr>
             <a:r>
               <a:rPr lang="en-IN" dirty="0"/>
-              <a:t> </a:t>
+              <a:t>    </a:t>
             </a:r>
-            <a:r>
-              <a:rPr lang="en-IN" dirty="0" smtClean="0"/>
-              <a:t>   </a:t>
-            </a:r>
-            <a:endParaRPr lang="en-IN" dirty="0"/>
           </a:p>
         </p:txBody>
       </p:sp>
@@ -6904,7 +6784,7 @@
           <a:lstStyle/>
           <a:p>
             <a:r>
-              <a:rPr lang="en-IN" dirty="0" smtClean="0">
+              <a:rPr lang="en-IN" dirty="0">
                 <a:latin typeface="Times New Roman" pitchFamily="18" charset="0"/>
                 <a:cs typeface="Times New Roman" pitchFamily="18" charset="0"/>
               </a:rPr>
@@ -6913,7 +6793,7 @@
           </a:p>
           <a:p>
             <a:r>
-              <a:rPr lang="en-IN" dirty="0" smtClean="0">
+              <a:rPr lang="en-IN" dirty="0">
                 <a:latin typeface="Times New Roman" pitchFamily="18" charset="0"/>
                 <a:cs typeface="Times New Roman" pitchFamily="18" charset="0"/>
               </a:rPr>
@@ -6922,7 +6802,7 @@
           </a:p>
           <a:p>
             <a:r>
-              <a:rPr lang="en-IN" dirty="0" smtClean="0">
+              <a:rPr lang="en-IN" dirty="0">
                 <a:latin typeface="Times New Roman" pitchFamily="18" charset="0"/>
                 <a:cs typeface="Times New Roman" pitchFamily="18" charset="0"/>
               </a:rPr>
@@ -6931,7 +6811,7 @@
           </a:p>
           <a:p>
             <a:r>
-              <a:rPr lang="en-IN" dirty="0" smtClean="0">
+              <a:rPr lang="en-IN" dirty="0">
                 <a:latin typeface="Times New Roman" pitchFamily="18" charset="0"/>
                 <a:cs typeface="Times New Roman" pitchFamily="18" charset="0"/>
               </a:rPr>
@@ -6940,7 +6820,7 @@
           </a:p>
           <a:p>
             <a:r>
-              <a:rPr lang="en-IN" dirty="0" smtClean="0">
+              <a:rPr lang="en-IN" dirty="0">
                 <a:latin typeface="Times New Roman" pitchFamily="18" charset="0"/>
                 <a:cs typeface="Times New Roman" pitchFamily="18" charset="0"/>
               </a:rPr>
@@ -6949,7 +6829,7 @@
           </a:p>
           <a:p>
             <a:r>
-              <a:rPr lang="en-IN" dirty="0" smtClean="0">
+              <a:rPr lang="en-IN" dirty="0">
                 <a:latin typeface="Times New Roman" pitchFamily="18" charset="0"/>
                 <a:cs typeface="Times New Roman" pitchFamily="18" charset="0"/>
               </a:rPr>
@@ -6980,16 +6860,12 @@
           <a:lstStyle/>
           <a:p>
             <a:r>
-              <a:rPr lang="en-IN" dirty="0" smtClean="0">
+              <a:rPr lang="en-IN" dirty="0">
                 <a:latin typeface="Times New Roman" pitchFamily="18" charset="0"/>
                 <a:cs typeface="Times New Roman" pitchFamily="18" charset="0"/>
               </a:rPr>
               <a:t>Functional Requirements</a:t>
             </a:r>
-            <a:endParaRPr lang="en-IN" dirty="0">
-              <a:latin typeface="Times New Roman" pitchFamily="18" charset="0"/>
-              <a:cs typeface="Times New Roman" pitchFamily="18" charset="0"/>
-            </a:endParaRPr>
           </a:p>
         </p:txBody>
       </p:sp>
@@ -7039,16 +6915,12 @@
           <a:lstStyle/>
           <a:p>
             <a:r>
-              <a:rPr lang="en-IN" dirty="0" smtClean="0">
+              <a:rPr lang="en-IN" dirty="0">
                 <a:latin typeface="Times New Roman" pitchFamily="18" charset="0"/>
                 <a:cs typeface="Times New Roman" pitchFamily="18" charset="0"/>
               </a:rPr>
               <a:t>Use Case Diagram</a:t>
             </a:r>
-            <a:endParaRPr lang="en-IN" dirty="0">
-              <a:latin typeface="Times New Roman" pitchFamily="18" charset="0"/>
-              <a:cs typeface="Times New Roman" pitchFamily="18" charset="0"/>
-            </a:endParaRPr>
           </a:p>
         </p:txBody>
       </p:sp>
@@ -7070,7 +6942,6 @@
             <a:headEnd type="none" w="med" len="med"/>
             <a:tailEnd type="none" w="med" len="med"/>
           </a:ln>
-          <a:extLst/>
         </p:spPr>
         <p:style>
           <a:lnRef idx="2">
@@ -7102,7 +6973,7 @@
               </a:rPr>
               <a:t> Login</a:t>
             </a:r>
-            <a:endParaRPr kumimoji="0" lang="en-IN" sz="1400" b="1" i="0" u="none" strike="noStrike" cap="none" normalizeH="0" baseline="0" dirty="0" smtClean="0">
+            <a:endParaRPr kumimoji="0" lang="en-IN" sz="1400" b="1" i="0" u="none" strike="noStrike" cap="none" normalizeH="0" baseline="0" dirty="0">
               <a:ln>
                 <a:noFill/>
               </a:ln>
@@ -7134,7 +7005,6 @@
             <a:headEnd type="none" w="med" len="med"/>
             <a:tailEnd type="none" w="med" len="med"/>
           </a:ln>
-          <a:extLst/>
         </p:spPr>
         <p:style>
           <a:lnRef idx="2">
@@ -7174,7 +7044,7 @@
               <a:buNone/>
               <a:tabLst/>
             </a:pPr>
-            <a:endParaRPr kumimoji="0" lang="en-IN" sz="1400" i="0" u="none" strike="noStrike" normalizeH="0" baseline="0" dirty="0" smtClean="0">
+            <a:endParaRPr kumimoji="0" lang="en-IN" sz="1400" i="0" u="none" strike="noStrike" normalizeH="0" baseline="0" dirty="0">
               <a:ln w="0"/>
               <a:solidFill>
                 <a:schemeClr val="accent1"/>
@@ -7210,7 +7080,6 @@
             <a:headEnd type="none" w="med" len="med"/>
             <a:tailEnd type="none" w="med" len="med"/>
           </a:ln>
-          <a:extLst/>
         </p:spPr>
         <p:style>
           <a:lnRef idx="2">
@@ -7250,7 +7119,7 @@
               <a:buNone/>
               <a:tabLst/>
             </a:pPr>
-            <a:endParaRPr kumimoji="0" lang="en-IN" sz="1400" i="0" u="none" strike="noStrike" normalizeH="0" baseline="0" dirty="0" smtClean="0">
+            <a:endParaRPr kumimoji="0" lang="en-IN" sz="1400" i="0" u="none" strike="noStrike" normalizeH="0" baseline="0" dirty="0">
               <a:ln w="0"/>
               <a:solidFill>
                 <a:schemeClr val="accent1"/>
@@ -7286,7 +7155,6 @@
             <a:headEnd type="none" w="med" len="med"/>
             <a:tailEnd type="none" w="med" len="med"/>
           </a:ln>
-          <a:extLst/>
         </p:spPr>
         <p:style>
           <a:lnRef idx="2">
@@ -7326,7 +7194,7 @@
               <a:buNone/>
               <a:tabLst/>
             </a:pPr>
-            <a:endParaRPr kumimoji="0" lang="en-IN" sz="1400" i="0" u="none" strike="noStrike" normalizeH="0" baseline="0" dirty="0" smtClean="0">
+            <a:endParaRPr kumimoji="0" lang="en-IN" sz="1400" i="0" u="none" strike="noStrike" normalizeH="0" baseline="0" dirty="0">
               <a:ln w="0"/>
               <a:solidFill>
                 <a:schemeClr val="accent1"/>
@@ -7362,7 +7230,6 @@
             <a:headEnd type="none" w="med" len="med"/>
             <a:tailEnd type="none" w="med" len="med"/>
           </a:ln>
-          <a:extLst/>
         </p:spPr>
         <p:style>
           <a:lnRef idx="2">
@@ -7402,7 +7269,7 @@
               <a:buNone/>
               <a:tabLst/>
             </a:pPr>
-            <a:endParaRPr kumimoji="0" lang="en-IN" sz="1400" i="0" u="none" strike="noStrike" normalizeH="0" baseline="0" dirty="0" smtClean="0">
+            <a:endParaRPr kumimoji="0" lang="en-IN" sz="1400" i="0" u="none" strike="noStrike" normalizeH="0" baseline="0" dirty="0">
               <a:ln w="0"/>
               <a:solidFill>
                 <a:schemeClr val="accent1"/>
@@ -7438,7 +7305,6 @@
             <a:headEnd type="none" w="med" len="med"/>
             <a:tailEnd type="none" w="med" len="med"/>
           </a:ln>
-          <a:extLst/>
         </p:spPr>
         <p:style>
           <a:lnRef idx="2">
@@ -7478,7 +7344,7 @@
               <a:buNone/>
               <a:tabLst/>
             </a:pPr>
-            <a:endParaRPr kumimoji="0" lang="en-IN" sz="1400" i="0" u="none" strike="noStrike" normalizeH="0" baseline="0" dirty="0" smtClean="0">
+            <a:endParaRPr kumimoji="0" lang="en-IN" sz="1400" i="0" u="none" strike="noStrike" normalizeH="0" baseline="0" dirty="0">
               <a:ln w="0"/>
               <a:solidFill>
                 <a:schemeClr val="accent1"/>
@@ -7514,7 +7380,6 @@
             <a:headEnd type="none" w="med" len="med"/>
             <a:tailEnd type="none" w="med" len="med"/>
           </a:ln>
-          <a:extLst/>
         </p:spPr>
         <p:style>
           <a:lnRef idx="2">
@@ -7554,7 +7419,7 @@
               <a:buNone/>
               <a:tabLst/>
             </a:pPr>
-            <a:endParaRPr kumimoji="0" lang="en-IN" sz="1400" i="0" u="none" strike="noStrike" normalizeH="0" baseline="0" dirty="0" smtClean="0">
+            <a:endParaRPr kumimoji="0" lang="en-IN" sz="1400" i="0" u="none" strike="noStrike" normalizeH="0" baseline="0" dirty="0">
               <a:ln w="0"/>
               <a:solidFill>
                 <a:schemeClr val="accent1"/>
@@ -7580,8 +7445,8 @@
         </p:nvSpPr>
         <p:spPr>
           <a:xfrm>
-            <a:off x="3219075" y="1104405"/>
-            <a:ext cx="1838965" cy="253916"/>
+            <a:off x="3196636" y="1104405"/>
+            <a:ext cx="1883850" cy="253916"/>
           </a:xfrm>
           <a:prstGeom prst="rect">
             <a:avLst/>
@@ -7595,31 +7460,13 @@
           <a:lstStyle/>
           <a:p>
             <a:r>
-              <a:rPr lang="en-US" sz="1050" dirty="0" smtClean="0">
+              <a:rPr lang="en-US" sz="1050" dirty="0">
                 <a:solidFill>
                   <a:srgbClr val="000000"/>
                 </a:solidFill>
                 <a:ea typeface="+mj-ea"/>
               </a:rPr>
-              <a:t>        Bus </a:t>
-            </a:r>
-            <a:r>
-              <a:rPr lang="en-US" sz="1050" dirty="0" err="1" smtClean="0">
-                <a:solidFill>
-                  <a:srgbClr val="000000"/>
-                </a:solidFill>
-                <a:ea typeface="+mj-ea"/>
-              </a:rPr>
-              <a:t>Availibility</a:t>
-            </a:r>
-            <a:r>
-              <a:rPr lang="en-US" sz="1050" dirty="0" smtClean="0">
-                <a:solidFill>
-                  <a:srgbClr val="000000"/>
-                </a:solidFill>
-                <a:ea typeface="+mj-ea"/>
-              </a:rPr>
-              <a:t> Enquiry</a:t>
+              <a:t>        Bus Availability Enquiry</a:t>
             </a:r>
             <a:endParaRPr lang="en-IN" sz="1050" baseline="0" dirty="0">
               <a:solidFill>
@@ -7653,20 +7500,12 @@
           <a:lstStyle/>
           <a:p>
             <a:r>
-              <a:rPr lang="en-US" sz="1050" dirty="0" smtClean="0">
-                <a:solidFill>
-                  <a:srgbClr val="000000"/>
-                </a:solidFill>
-              </a:rPr>
-              <a:t>                 Make </a:t>
-            </a:r>
-            <a:r>
               <a:rPr lang="en-US" sz="1050" dirty="0">
                 <a:solidFill>
                   <a:srgbClr val="000000"/>
                 </a:solidFill>
               </a:rPr>
-              <a:t>Reservation</a:t>
+              <a:t>                 Make Reservation</a:t>
             </a:r>
             <a:endParaRPr lang="en-IN" sz="1050" dirty="0">
               <a:solidFill>
@@ -7704,23 +7543,7 @@
                   <a:srgbClr val="000000"/>
                 </a:solidFill>
               </a:rPr>
-              <a:t> </a:t>
-            </a:r>
-            <a:r>
-              <a:rPr lang="en-US" sz="1050" dirty="0" smtClean="0">
-                <a:solidFill>
-                  <a:srgbClr val="000000"/>
-                </a:solidFill>
-              </a:rPr>
-              <a:t>                           Cancel </a:t>
-            </a:r>
-            <a:r>
-              <a:rPr lang="en-US" sz="1050" dirty="0">
-                <a:solidFill>
-                  <a:srgbClr val="000000"/>
-                </a:solidFill>
-              </a:rPr>
-              <a:t>Reservation</a:t>
+              <a:t>                            Cancel Reservation</a:t>
             </a:r>
             <a:endParaRPr lang="en-IN" sz="1050" baseline="0" dirty="0">
               <a:solidFill>
@@ -7759,23 +7582,7 @@
                   <a:srgbClr val="000000"/>
                 </a:solidFill>
               </a:rPr>
-              <a:t> </a:t>
-            </a:r>
-            <a:r>
-              <a:rPr lang="en-US" sz="1050" dirty="0" smtClean="0">
-                <a:solidFill>
-                  <a:srgbClr val="000000"/>
-                </a:solidFill>
-              </a:rPr>
-              <a:t>                         Print </a:t>
-            </a:r>
-            <a:r>
-              <a:rPr lang="en-US" sz="1050" dirty="0">
-                <a:solidFill>
-                  <a:srgbClr val="000000"/>
-                </a:solidFill>
-              </a:rPr>
-              <a:t>Ticket</a:t>
+              <a:t>                          Print Ticket</a:t>
             </a:r>
             <a:endParaRPr lang="en-IN" sz="1050" baseline="0" dirty="0">
               <a:solidFill>
@@ -7810,7 +7617,7 @@
           <a:p>
             <a:pPr algn="l"/>
             <a:r>
-              <a:rPr lang="en-US" sz="1050" dirty="0" smtClean="0">
+              <a:rPr lang="en-US" sz="1050" dirty="0">
                 <a:solidFill>
                   <a:srgbClr val="000000"/>
                 </a:solidFill>
@@ -7819,7 +7626,7 @@
               <a:t>       L</a:t>
             </a:r>
             <a:r>
-              <a:rPr lang="en-US" sz="1050" baseline="0" dirty="0" smtClean="0">
+              <a:rPr lang="en-US" sz="1050" baseline="0" dirty="0">
                 <a:solidFill>
                   <a:srgbClr val="000000"/>
                 </a:solidFill>
@@ -7859,20 +7666,12 @@
           <a:lstStyle/>
           <a:p>
             <a:r>
-              <a:rPr lang="en-US" sz="1050" dirty="0" smtClean="0">
-                <a:solidFill>
-                  <a:srgbClr val="000000"/>
-                </a:solidFill>
-              </a:rPr>
-              <a:t>                    Wallet </a:t>
-            </a:r>
-            <a:r>
               <a:rPr lang="en-US" sz="1050" dirty="0">
                 <a:solidFill>
                   <a:srgbClr val="000000"/>
                 </a:solidFill>
               </a:rPr>
-              <a:t>Payment</a:t>
+              <a:t>                    Wallet Payment</a:t>
             </a:r>
             <a:endParaRPr lang="en-IN" sz="1050" dirty="0">
               <a:solidFill>
@@ -7900,7 +7699,6 @@
             <a:headEnd type="none" w="med" len="med"/>
             <a:tailEnd type="none" w="med" len="med"/>
           </a:ln>
-          <a:extLst/>
         </p:spPr>
         <p:style>
           <a:lnRef idx="2">
@@ -7940,7 +7738,7 @@
               <a:buNone/>
               <a:tabLst/>
             </a:pPr>
-            <a:endParaRPr kumimoji="0" lang="en-IN" sz="1400" b="0" i="0" u="none" strike="noStrike" cap="none" normalizeH="0" baseline="0" dirty="0" smtClean="0">
+            <a:endParaRPr kumimoji="0" lang="en-IN" sz="1400" b="0" i="0" u="none" strike="noStrike" cap="none" normalizeH="0" baseline="0" dirty="0">
               <a:ln>
                 <a:noFill/>
               </a:ln>
@@ -7972,7 +7770,6 @@
             <a:headEnd type="none" w="med" len="med"/>
             <a:tailEnd type="none" w="med" len="med"/>
           </a:ln>
-          <a:extLst/>
         </p:spPr>
         <p:style>
           <a:lnRef idx="1">
@@ -8007,7 +7804,6 @@
             <a:headEnd type="none" w="med" len="med"/>
             <a:tailEnd type="none" w="med" len="med"/>
           </a:ln>
-          <a:extLst/>
         </p:spPr>
         <p:style>
           <a:lnRef idx="1">
@@ -8042,7 +7838,6 @@
             <a:headEnd type="none" w="med" len="med"/>
             <a:tailEnd type="none" w="med" len="med"/>
           </a:ln>
-          <a:extLst/>
         </p:spPr>
         <p:style>
           <a:lnRef idx="1">
@@ -8077,7 +7872,6 @@
             <a:headEnd type="none" w="med" len="med"/>
             <a:tailEnd type="none" w="med" len="med"/>
           </a:ln>
-          <a:extLst/>
         </p:spPr>
         <p:style>
           <a:lnRef idx="1">
@@ -8150,7 +7944,6 @@
             <a:headEnd type="none" w="med" len="med"/>
             <a:tailEnd type="none" w="med" len="med"/>
           </a:ln>
-          <a:extLst/>
         </p:spPr>
         <p:style>
           <a:lnRef idx="2">
@@ -8190,7 +7983,7 @@
               <a:buNone/>
               <a:tabLst/>
             </a:pPr>
-            <a:endParaRPr kumimoji="0" lang="en-IN" sz="1400" b="0" i="0" u="none" strike="noStrike" cap="none" normalizeH="0" baseline="0" dirty="0" smtClean="0">
+            <a:endParaRPr kumimoji="0" lang="en-IN" sz="1400" b="0" i="0" u="none" strike="noStrike" cap="none" normalizeH="0" baseline="0" dirty="0">
               <a:ln>
                 <a:noFill/>
               </a:ln>
@@ -8222,7 +8015,6 @@
             <a:headEnd type="none" w="med" len="med"/>
             <a:tailEnd type="none" w="med" len="med"/>
           </a:ln>
-          <a:extLst/>
         </p:spPr>
         <p:style>
           <a:lnRef idx="1">
@@ -8257,7 +8049,6 @@
             <a:headEnd type="none" w="med" len="med"/>
             <a:tailEnd type="none" w="med" len="med"/>
           </a:ln>
-          <a:extLst/>
         </p:spPr>
         <p:style>
           <a:lnRef idx="1">
@@ -8292,7 +8083,6 @@
             <a:headEnd type="none" w="med" len="med"/>
             <a:tailEnd type="none" w="med" len="med"/>
           </a:ln>
-          <a:extLst/>
         </p:spPr>
         <p:style>
           <a:lnRef idx="1">
@@ -8327,7 +8117,6 @@
             <a:headEnd type="none" w="med" len="med"/>
             <a:tailEnd type="none" w="med" len="med"/>
           </a:ln>
-          <a:extLst/>
         </p:spPr>
         <p:style>
           <a:lnRef idx="1">
@@ -8403,7 +8192,6 @@
             <a:headEnd type="none" w="med" len="med"/>
             <a:tailEnd type="none" w="med" len="med"/>
           </a:ln>
-          <a:extLst/>
         </p:spPr>
         <p:style>
           <a:lnRef idx="1">
@@ -8424,6 +8212,7 @@
         <p:nvCxnSpPr>
           <p:cNvPr id="1035" name="Straight Connector 1034"/>
           <p:cNvCxnSpPr>
+            <a:cxnSpLocks/>
             <a:endCxn id="8" idx="2"/>
           </p:cNvCxnSpPr>
           <p:nvPr/>
@@ -8440,7 +8229,6 @@
             <a:headEnd type="none" w="med" len="med"/>
             <a:tailEnd type="none" w="med" len="med"/>
           </a:ln>
-          <a:extLst/>
         </p:spPr>
         <p:style>
           <a:lnRef idx="1">
@@ -8461,6 +8249,7 @@
         <p:nvCxnSpPr>
           <p:cNvPr id="1040" name="Straight Connector 1039"/>
           <p:cNvCxnSpPr>
+            <a:cxnSpLocks/>
             <a:endCxn id="9" idx="2"/>
           </p:cNvCxnSpPr>
           <p:nvPr/>
@@ -8477,7 +8266,6 @@
             <a:headEnd type="none" w="med" len="med"/>
             <a:tailEnd type="none" w="med" len="med"/>
           </a:ln>
-          <a:extLst/>
         </p:spPr>
         <p:style>
           <a:lnRef idx="1">
@@ -8498,6 +8286,7 @@
         <p:nvCxnSpPr>
           <p:cNvPr id="1045" name="Straight Connector 1044"/>
           <p:cNvCxnSpPr>
+            <a:cxnSpLocks/>
             <a:endCxn id="10" idx="2"/>
           </p:cNvCxnSpPr>
           <p:nvPr/>
@@ -8514,7 +8303,6 @@
             <a:headEnd type="none" w="med" len="med"/>
             <a:tailEnd type="none" w="med" len="med"/>
           </a:ln>
-          <a:extLst/>
         </p:spPr>
         <p:style>
           <a:lnRef idx="1">
@@ -8535,7 +8323,7 @@
         <p:nvCxnSpPr>
           <p:cNvPr id="1049" name="Straight Connector 1048"/>
           <p:cNvCxnSpPr>
-            <a:stCxn id="6" idx="6"/>
+            <a:cxnSpLocks/>
           </p:cNvCxnSpPr>
           <p:nvPr/>
         </p:nvCxnSpPr>
@@ -8551,118 +8339,6 @@
             <a:headEnd type="none" w="med" len="med"/>
             <a:tailEnd type="none" w="med" len="med"/>
           </a:ln>
-          <a:extLst/>
-        </p:spPr>
-        <p:style>
-          <a:lnRef idx="1">
-            <a:schemeClr val="accent1"/>
-          </a:lnRef>
-          <a:fillRef idx="0">
-            <a:schemeClr val="accent1"/>
-          </a:fillRef>
-          <a:effectRef idx="0">
-            <a:schemeClr val="accent1"/>
-          </a:effectRef>
-          <a:fontRef idx="minor">
-            <a:schemeClr val="tx1"/>
-          </a:fontRef>
-        </p:style>
-      </p:cxnSp>
-      <p:cxnSp>
-        <p:nvCxnSpPr>
-          <p:cNvPr id="1055" name="Straight Connector 1054"/>
-          <p:cNvCxnSpPr>
-            <a:stCxn id="8" idx="6"/>
-          </p:cNvCxnSpPr>
-          <p:nvPr/>
-        </p:nvCxnSpPr>
-        <p:spPr bwMode="auto">
-          <a:xfrm>
-            <a:off x="4816408" y="1637506"/>
-            <a:ext cx="2564538" cy="1071280"/>
-          </a:xfrm>
-          <a:prstGeom prst="line">
-            <a:avLst/>
-          </a:prstGeom>
-          <a:ln>
-            <a:headEnd type="none" w="med" len="med"/>
-            <a:tailEnd type="none" w="med" len="med"/>
-          </a:ln>
-          <a:extLst/>
-        </p:spPr>
-        <p:style>
-          <a:lnRef idx="1">
-            <a:schemeClr val="accent1"/>
-          </a:lnRef>
-          <a:fillRef idx="0">
-            <a:schemeClr val="accent1"/>
-          </a:fillRef>
-          <a:effectRef idx="0">
-            <a:schemeClr val="accent1"/>
-          </a:effectRef>
-          <a:fontRef idx="minor">
-            <a:schemeClr val="tx1"/>
-          </a:fontRef>
-        </p:style>
-      </p:cxnSp>
-      <p:cxnSp>
-        <p:nvCxnSpPr>
-          <p:cNvPr id="1059" name="Straight Connector 1058"/>
-          <p:cNvCxnSpPr>
-            <a:stCxn id="9" idx="6"/>
-          </p:cNvCxnSpPr>
-          <p:nvPr/>
-        </p:nvCxnSpPr>
-        <p:spPr bwMode="auto">
-          <a:xfrm>
-            <a:off x="4880757" y="2288437"/>
-            <a:ext cx="2550326" cy="407528"/>
-          </a:xfrm>
-          <a:prstGeom prst="line">
-            <a:avLst/>
-          </a:prstGeom>
-          <a:ln>
-            <a:headEnd type="none" w="med" len="med"/>
-            <a:tailEnd type="none" w="med" len="med"/>
-          </a:ln>
-          <a:extLst/>
-        </p:spPr>
-        <p:style>
-          <a:lnRef idx="1">
-            <a:schemeClr val="accent1"/>
-          </a:lnRef>
-          <a:fillRef idx="0">
-            <a:schemeClr val="accent1"/>
-          </a:fillRef>
-          <a:effectRef idx="0">
-            <a:schemeClr val="accent1"/>
-          </a:effectRef>
-          <a:fontRef idx="minor">
-            <a:schemeClr val="tx1"/>
-          </a:fontRef>
-        </p:style>
-      </p:cxnSp>
-      <p:cxnSp>
-        <p:nvCxnSpPr>
-          <p:cNvPr id="1063" name="Straight Connector 1062"/>
-          <p:cNvCxnSpPr>
-            <a:stCxn id="10" idx="6"/>
-          </p:cNvCxnSpPr>
-          <p:nvPr/>
-        </p:nvCxnSpPr>
-        <p:spPr bwMode="auto">
-          <a:xfrm flipV="1">
-            <a:off x="4880757" y="2672307"/>
-            <a:ext cx="2467286" cy="268348"/>
-          </a:xfrm>
-          <a:prstGeom prst="line">
-            <a:avLst/>
-          </a:prstGeom>
-          <a:ln>
-            <a:headEnd type="none" w="med" len="med"/>
-            <a:tailEnd type="none" w="med" len="med"/>
-          </a:ln>
-          <a:extLst/>
         </p:spPr>
         <p:style>
           <a:lnRef idx="1">
@@ -8699,7 +8375,6 @@
             <a:headEnd type="none" w="med" len="med"/>
             <a:tailEnd type="none" w="med" len="med"/>
           </a:ln>
-          <a:extLst/>
         </p:spPr>
         <p:style>
           <a:lnRef idx="1">
@@ -8740,7 +8415,7 @@
               <a:buNone/>
             </a:pPr>
             <a:r>
-              <a:rPr lang="en-US" dirty="0" smtClean="0"/>
+              <a:rPr lang="en-US" dirty="0"/>
               <a:t> </a:t>
             </a:r>
             <a:endParaRPr lang="en-IN" dirty="0"/>
@@ -8751,13 +8426,13 @@
         <p:nvCxnSpPr>
           <p:cNvPr id="42" name="Straight Connector 41"/>
           <p:cNvCxnSpPr>
-            <a:endCxn id="11" idx="2"/>
+            <a:cxnSpLocks/>
           </p:cNvCxnSpPr>
           <p:nvPr/>
         </p:nvCxnSpPr>
         <p:spPr bwMode="auto">
           <a:xfrm>
-            <a:off x="1345251" y="1675069"/>
+            <a:off x="1386071" y="1675069"/>
             <a:ext cx="2466727" cy="2005922"/>
           </a:xfrm>
           <a:prstGeom prst="line">
@@ -8767,7 +8442,6 @@
             <a:headEnd type="none" w="med" len="med"/>
             <a:tailEnd type="none" w="med" len="med"/>
           </a:ln>
-          <a:extLst/>
         </p:spPr>
         <p:style>
           <a:lnRef idx="1">
@@ -8783,6 +8457,94 @@
             <a:schemeClr val="tx1"/>
           </a:fontRef>
         </p:style>
+      </p:cxnSp>
+      <p:cxnSp>
+        <p:nvCxnSpPr>
+          <p:cNvPr id="16" name="Straight Connector 15">
+            <a:extLst>
+              <a:ext uri="{FF2B5EF4-FFF2-40B4-BE49-F238E27FC236}">
+                <a16:creationId xmlns:a16="http://schemas.microsoft.com/office/drawing/2014/main" id="{95054281-5D24-4FB4-BD7D-14B313A6199B}"/>
+              </a:ext>
+            </a:extLst>
+          </p:cNvPr>
+          <p:cNvCxnSpPr>
+            <a:endCxn id="12" idx="1"/>
+          </p:cNvCxnSpPr>
+          <p:nvPr/>
+        </p:nvCxnSpPr>
+        <p:spPr bwMode="auto">
+          <a:xfrm>
+            <a:off x="1311791" y="1643442"/>
+            <a:ext cx="2656706" cy="2648284"/>
+          </a:xfrm>
+          <a:prstGeom prst="line">
+            <a:avLst/>
+          </a:prstGeom>
+          <a:ln>
+            <a:headEnd type="none" w="med" len="med"/>
+            <a:tailEnd type="none" w="med" len="med"/>
+          </a:ln>
+        </p:spPr>
+        <p:style>
+          <a:lnRef idx="1">
+            <a:schemeClr val="accent1"/>
+          </a:lnRef>
+          <a:fillRef idx="0">
+            <a:schemeClr val="accent1"/>
+          </a:fillRef>
+          <a:effectRef idx="0">
+            <a:schemeClr val="accent1"/>
+          </a:effectRef>
+          <a:fontRef idx="minor">
+            <a:schemeClr val="tx1"/>
+          </a:fontRef>
+        </p:style>
+      </p:cxnSp>
+      <p:cxnSp>
+        <p:nvCxnSpPr>
+          <p:cNvPr id="24" name="Straight Connector 23">
+            <a:extLst>
+              <a:ext uri="{FF2B5EF4-FFF2-40B4-BE49-F238E27FC236}">
+                <a16:creationId xmlns:a16="http://schemas.microsoft.com/office/drawing/2014/main" id="{8E41EEC6-46BF-4ACC-B374-513022AC6EF2}"/>
+              </a:ext>
+            </a:extLst>
+          </p:cNvPr>
+          <p:cNvCxnSpPr/>
+          <p:nvPr/>
+        </p:nvCxnSpPr>
+        <p:spPr bwMode="auto">
+          <a:xfrm flipH="1">
+            <a:off x="2848131" y="3118784"/>
+            <a:ext cx="55601" cy="0"/>
+          </a:xfrm>
+          <a:prstGeom prst="line">
+            <a:avLst/>
+          </a:prstGeom>
+          <a:solidFill>
+            <a:schemeClr val="folHlink"/>
+          </a:solidFill>
+          <a:ln w="6350" cap="flat" cmpd="sng" algn="ctr">
+            <a:solidFill>
+              <a:schemeClr val="tx2"/>
+            </a:solidFill>
+            <a:prstDash val="solid"/>
+            <a:round/>
+            <a:headEnd type="none" w="med" len="med"/>
+            <a:tailEnd type="none" w="med" len="med"/>
+          </a:ln>
+          <a:effectLst/>
+          <a:extLst>
+            <a:ext uri="{AF507438-7753-43E0-B8FC-AC1667EBCBE1}">
+              <a14:hiddenEffects xmlns:a14="http://schemas.microsoft.com/office/drawing/2010/main">
+                <a:effectLst>
+                  <a:outerShdw dist="35921" dir="2700000" algn="ctr" rotWithShape="0">
+                    <a:schemeClr val="bg2"/>
+                  </a:outerShdw>
+                </a:effectLst>
+              </a14:hiddenEffects>
+            </a:ext>
+          </a:extLst>
+        </p:spPr>
       </p:cxnSp>
     </p:spTree>
     <p:extLst>
@@ -8835,16 +8597,12 @@
           <a:lstStyle/>
           <a:p>
             <a:r>
-              <a:rPr lang="en-IN" dirty="0" smtClean="0">
+              <a:rPr lang="en-IN" dirty="0">
                 <a:latin typeface="Times New Roman" pitchFamily="18" charset="0"/>
                 <a:cs typeface="Times New Roman" pitchFamily="18" charset="0"/>
               </a:rPr>
               <a:t>Flow Diagram</a:t>
             </a:r>
-            <a:endParaRPr lang="en-IN" dirty="0">
-              <a:latin typeface="Times New Roman" pitchFamily="18" charset="0"/>
-              <a:cs typeface="Times New Roman" pitchFamily="18" charset="0"/>
-            </a:endParaRPr>
           </a:p>
         </p:txBody>
       </p:sp>
@@ -8866,7 +8624,6 @@
             <a:headEnd type="none" w="med" len="med"/>
             <a:tailEnd type="none" w="med" len="med"/>
           </a:ln>
-          <a:extLst/>
         </p:spPr>
         <p:style>
           <a:lnRef idx="2">
@@ -8907,7 +8664,7 @@
               <a:tabLst/>
             </a:pPr>
             <a:r>
-              <a:rPr kumimoji="0" lang="en-US" b="0" i="0" u="none" strike="noStrike" cap="none" normalizeH="0" baseline="0" dirty="0" smtClean="0">
+              <a:rPr kumimoji="0" lang="en-US" b="0" i="0" u="none" strike="noStrike" cap="none" normalizeH="0" baseline="0" dirty="0">
                 <a:ln>
                   <a:noFill/>
                 </a:ln>
@@ -8920,7 +8677,7 @@
               </a:rPr>
               <a:t>User</a:t>
             </a:r>
-            <a:endParaRPr kumimoji="0" lang="en-IN" b="0" i="0" u="none" strike="noStrike" cap="none" normalizeH="0" baseline="0" dirty="0" smtClean="0">
+            <a:endParaRPr kumimoji="0" lang="en-IN" b="0" i="0" u="none" strike="noStrike" cap="none" normalizeH="0" baseline="0" dirty="0">
               <a:ln>
                 <a:noFill/>
               </a:ln>
@@ -8980,7 +8737,6 @@
             <a:headEnd type="none" w="med" len="med"/>
             <a:tailEnd type="none" w="med" len="med"/>
           </a:ln>
-          <a:extLst/>
         </p:spPr>
         <p:style>
           <a:lnRef idx="2">
@@ -9021,7 +8777,7 @@
               <a:tabLst/>
             </a:pPr>
             <a:r>
-              <a:rPr lang="en-US" dirty="0" smtClean="0">
+              <a:rPr lang="en-US" dirty="0">
                 <a:solidFill>
                   <a:srgbClr val="000000"/>
                 </a:solidFill>
@@ -9029,7 +8785,7 @@
               </a:rPr>
               <a:t>Create Account</a:t>
             </a:r>
-            <a:endParaRPr kumimoji="0" lang="en-IN" b="0" i="0" u="none" strike="noStrike" cap="none" normalizeH="0" baseline="0" dirty="0" smtClean="0">
+            <a:endParaRPr kumimoji="0" lang="en-IN" b="0" i="0" u="none" strike="noStrike" cap="none" normalizeH="0" baseline="0" dirty="0">
               <a:ln>
                 <a:noFill/>
               </a:ln>
@@ -9060,7 +8816,6 @@
             <a:headEnd type="none" w="med" len="med"/>
             <a:tailEnd type="none" w="med" len="med"/>
           </a:ln>
-          <a:extLst/>
         </p:spPr>
         <p:style>
           <a:lnRef idx="2">
@@ -9101,7 +8856,7 @@
               <a:tabLst/>
             </a:pPr>
             <a:r>
-              <a:rPr kumimoji="0" lang="en-US" b="0" i="0" u="none" strike="noStrike" cap="none" normalizeH="0" baseline="0" dirty="0" smtClean="0">
+              <a:rPr kumimoji="0" lang="en-US" b="0" i="0" u="none" strike="noStrike" cap="none" normalizeH="0" baseline="0" dirty="0">
                 <a:ln>
                   <a:noFill/>
                 </a:ln>
@@ -9114,7 +8869,7 @@
               </a:rPr>
               <a:t>Login</a:t>
             </a:r>
-            <a:endParaRPr kumimoji="0" lang="en-IN" b="0" i="0" u="none" strike="noStrike" cap="none" normalizeH="0" baseline="0" dirty="0" smtClean="0">
+            <a:endParaRPr kumimoji="0" lang="en-IN" b="0" i="0" u="none" strike="noStrike" cap="none" normalizeH="0" baseline="0" dirty="0">
               <a:ln>
                 <a:noFill/>
               </a:ln>
@@ -9146,7 +8901,6 @@
             <a:headEnd type="none" w="med" len="med"/>
             <a:tailEnd type="none" w="med" len="med"/>
           </a:ln>
-          <a:extLst/>
         </p:spPr>
         <p:style>
           <a:lnRef idx="2">
@@ -9187,7 +8941,7 @@
               <a:tabLst/>
             </a:pPr>
             <a:r>
-              <a:rPr lang="en-US" dirty="0" smtClean="0">
+              <a:rPr lang="en-US" dirty="0">
                 <a:solidFill>
                   <a:srgbClr val="000000"/>
                 </a:solidFill>
@@ -9196,7 +8950,7 @@
               </a:rPr>
               <a:t>Search Bus</a:t>
             </a:r>
-            <a:endParaRPr kumimoji="0" lang="en-IN" b="0" i="0" u="none" strike="noStrike" cap="none" normalizeH="0" baseline="0" dirty="0" smtClean="0">
+            <a:endParaRPr kumimoji="0" lang="en-IN" b="0" i="0" u="none" strike="noStrike" cap="none" normalizeH="0" baseline="0" dirty="0">
               <a:ln>
                 <a:noFill/>
               </a:ln>
@@ -9228,7 +8982,6 @@
             <a:headEnd type="none" w="med" len="med"/>
             <a:tailEnd type="none" w="med" len="med"/>
           </a:ln>
-          <a:extLst/>
         </p:spPr>
         <p:style>
           <a:lnRef idx="2">
@@ -9269,7 +9022,7 @@
               <a:tabLst/>
             </a:pPr>
             <a:r>
-              <a:rPr lang="en-US" dirty="0" smtClean="0">
+              <a:rPr lang="en-US" dirty="0">
                 <a:solidFill>
                   <a:srgbClr val="000000"/>
                 </a:solidFill>
@@ -9278,7 +9031,7 @@
               </a:rPr>
               <a:t>Book Seat</a:t>
             </a:r>
-            <a:endParaRPr kumimoji="0" lang="en-IN" b="0" i="0" u="none" strike="noStrike" cap="none" normalizeH="0" baseline="0" dirty="0" smtClean="0">
+            <a:endParaRPr kumimoji="0" lang="en-IN" b="0" i="0" u="none" strike="noStrike" cap="none" normalizeH="0" baseline="0" dirty="0">
               <a:ln>
                 <a:noFill/>
               </a:ln>
@@ -9310,7 +9063,6 @@
             <a:headEnd type="none" w="med" len="med"/>
             <a:tailEnd type="none" w="med" len="med"/>
           </a:ln>
-          <a:extLst/>
         </p:spPr>
         <p:style>
           <a:lnRef idx="2">
@@ -9351,7 +9103,7 @@
               <a:tabLst/>
             </a:pPr>
             <a:r>
-              <a:rPr lang="en-US" dirty="0" smtClean="0">
+              <a:rPr lang="en-US" dirty="0">
                 <a:solidFill>
                   <a:srgbClr val="000000"/>
                 </a:solidFill>
@@ -9360,7 +9112,7 @@
               </a:rPr>
               <a:t>Forgot Password</a:t>
             </a:r>
-            <a:endParaRPr kumimoji="0" lang="en-IN" b="0" i="0" u="none" strike="noStrike" cap="none" normalizeH="0" baseline="0" dirty="0" smtClean="0">
+            <a:endParaRPr kumimoji="0" lang="en-IN" b="0" i="0" u="none" strike="noStrike" cap="none" normalizeH="0" baseline="0" dirty="0">
               <a:ln>
                 <a:noFill/>
               </a:ln>
@@ -9392,7 +9144,6 @@
             <a:headEnd type="none" w="med" len="med"/>
             <a:tailEnd type="none" w="med" len="med"/>
           </a:ln>
-          <a:extLst/>
         </p:spPr>
         <p:style>
           <a:lnRef idx="2">
@@ -9433,7 +9184,7 @@
               <a:tabLst/>
             </a:pPr>
             <a:r>
-              <a:rPr lang="en-US" dirty="0" smtClean="0">
+              <a:rPr lang="en-US" dirty="0">
                 <a:solidFill>
                   <a:srgbClr val="000000"/>
                 </a:solidFill>
@@ -9442,7 +9193,7 @@
               </a:rPr>
               <a:t>Send Email To User</a:t>
             </a:r>
-            <a:endParaRPr kumimoji="0" lang="en-IN" b="0" i="0" u="none" strike="noStrike" cap="none" normalizeH="0" baseline="0" dirty="0" smtClean="0">
+            <a:endParaRPr kumimoji="0" lang="en-IN" b="0" i="0" u="none" strike="noStrike" cap="none" normalizeH="0" baseline="0" dirty="0">
               <a:ln>
                 <a:noFill/>
               </a:ln>
@@ -9474,7 +9225,6 @@
             <a:headEnd type="none" w="med" len="med"/>
             <a:tailEnd type="none" w="med" len="med"/>
           </a:ln>
-          <a:extLst/>
         </p:spPr>
         <p:style>
           <a:lnRef idx="2">
@@ -9515,7 +9265,7 @@
               <a:tabLst/>
             </a:pPr>
             <a:r>
-              <a:rPr lang="en-US" dirty="0" smtClean="0">
+              <a:rPr lang="en-US" dirty="0">
                 <a:solidFill>
                   <a:srgbClr val="000000"/>
                 </a:solidFill>
@@ -9524,7 +9274,7 @@
               </a:rPr>
               <a:t>Admin</a:t>
             </a:r>
-            <a:endParaRPr kumimoji="0" lang="en-IN" b="0" i="0" u="none" strike="noStrike" cap="none" normalizeH="0" baseline="0" dirty="0" smtClean="0">
+            <a:endParaRPr kumimoji="0" lang="en-IN" b="0" i="0" u="none" strike="noStrike" cap="none" normalizeH="0" baseline="0" dirty="0">
               <a:ln>
                 <a:noFill/>
               </a:ln>
@@ -9559,7 +9309,6 @@
             <a:headEnd type="none" w="med" len="med"/>
             <a:tailEnd type="triangle"/>
           </a:ln>
-          <a:extLst/>
         </p:spPr>
         <p:style>
           <a:lnRef idx="1">
@@ -9596,7 +9345,6 @@
             <a:headEnd type="none" w="med" len="med"/>
             <a:tailEnd type="triangle"/>
           </a:ln>
-          <a:extLst/>
         </p:spPr>
         <p:style>
           <a:lnRef idx="1">
@@ -9634,7 +9382,6 @@
             <a:headEnd type="none" w="med" len="med"/>
             <a:tailEnd type="triangle"/>
           </a:ln>
-          <a:extLst/>
         </p:spPr>
         <p:style>
           <a:lnRef idx="1">
@@ -9671,7 +9418,6 @@
             <a:headEnd type="none" w="med" len="med"/>
             <a:tailEnd type="triangle"/>
           </a:ln>
-          <a:extLst/>
         </p:spPr>
         <p:style>
           <a:lnRef idx="1">
@@ -9709,7 +9455,6 @@
             <a:headEnd type="none" w="med" len="med"/>
             <a:tailEnd type="triangle"/>
           </a:ln>
-          <a:extLst/>
         </p:spPr>
         <p:style>
           <a:lnRef idx="1">
@@ -9746,7 +9491,6 @@
             <a:headEnd type="none" w="med" len="med"/>
             <a:tailEnd type="triangle"/>
           </a:ln>
-          <a:extLst/>
         </p:spPr>
         <p:style>
           <a:lnRef idx="1">
@@ -9783,7 +9527,6 @@
             <a:headEnd type="none" w="med" len="med"/>
             <a:tailEnd type="triangle"/>
           </a:ln>
-          <a:extLst/>
         </p:spPr>
         <p:style>
           <a:lnRef idx="1">
@@ -9846,7 +9589,7 @@
           <a:lstStyle/>
           <a:p>
             <a:r>
-              <a:rPr lang="en-US" dirty="0" smtClean="0">
+              <a:rPr lang="en-US" dirty="0">
                 <a:latin typeface="Times New Roman" pitchFamily="18" charset="0"/>
                 <a:cs typeface="Times New Roman" pitchFamily="18" charset="0"/>
               </a:rPr>
@@ -9874,7 +9617,7 @@
         </p:blipFill>
         <p:spPr>
           <a:xfrm>
-            <a:off x="2660071" y="77140"/>
+            <a:off x="2668191" y="0"/>
             <a:ext cx="4572000" cy="5044094"/>
           </a:xfrm>
           <a:prstGeom prst="rect">
@@ -11225,6 +10968,15 @@
 </file>
 
 <file path=customXml/item2.xml><?xml version="1.0" encoding="utf-8"?>
+<?mso-contentType ?>
+<FormTemplates xmlns="http://schemas.microsoft.com/sharepoint/v3/contenttype/forms">
+  <Display>DocumentLibraryForm</Display>
+  <Edit>DocumentLibraryForm</Edit>
+  <New>DocumentLibraryForm</New>
+</FormTemplates>
+</file>
+
+<file path=customXml/item3.xml><?xml version="1.0" encoding="utf-8"?>
 <ct:contentTypeSchema xmlns:ct="http://schemas.microsoft.com/office/2006/metadata/contentType" xmlns:ma="http://schemas.microsoft.com/office/2006/metadata/properties/metaAttributes" ct:_="" ma:_="" ma:contentTypeName="Document" ma:contentTypeID="0x01010070F8E8959049E8428369959651C7B244" ma:contentTypeVersion="1" ma:contentTypeDescription="Create a new document." ma:contentTypeScope="" ma:versionID="a3dfc01f428c3fcbfdafd221a376b9de">
   <xsd:schema xmlns:xsd="http://www.w3.org/2001/XMLSchema" xmlns:p="http://schemas.microsoft.com/office/2006/metadata/properties" xmlns:ns2="71bf3f0a-df54-467d-89c2-87f8d534ba77" targetNamespace="http://schemas.microsoft.com/office/2006/metadata/properties" ma:root="true" ma:fieldsID="96a372070048e73f7666a0524ec77300" ns2:_="">
     <xsd:import namespace="71bf3f0a-df54-467d-89c2-87f8d534ba77"/>
@@ -11284,15 +11036,6 @@
 </ct:contentTypeSchema>
 </file>
 
-<file path=customXml/item3.xml><?xml version="1.0" encoding="utf-8"?>
-<?mso-contentType ?>
-<FormTemplates xmlns="http://schemas.microsoft.com/sharepoint/v3/contenttype/forms">
-  <Display>DocumentLibraryForm</Display>
-  <Edit>DocumentLibraryForm</Edit>
-  <New>DocumentLibraryForm</New>
-</FormTemplates>
-</file>
-
 <file path=customXml/itemProps1.xml><?xml version="1.0" encoding="utf-8"?>
 <ds:datastoreItem xmlns:ds="http://schemas.openxmlformats.org/officeDocument/2006/customXml" ds:itemID="{24559248-63FA-4C6E-A37D-96FF4426E5C5}">
   <ds:schemaRefs>
@@ -11309,6 +11052,14 @@
 </file>
 
 <file path=customXml/itemProps2.xml><?xml version="1.0" encoding="utf-8"?>
+<ds:datastoreItem xmlns:ds="http://schemas.openxmlformats.org/officeDocument/2006/customXml" ds:itemID="{8ABB6DC8-0142-4676-96FE-F1693BA95046}">
+  <ds:schemaRefs>
+    <ds:schemaRef ds:uri="http://schemas.microsoft.com/sharepoint/v3/contenttype/forms"/>
+  </ds:schemaRefs>
+</ds:datastoreItem>
+</file>
+
+<file path=customXml/itemProps3.xml><?xml version="1.0" encoding="utf-8"?>
 <ds:datastoreItem xmlns:ds="http://schemas.openxmlformats.org/officeDocument/2006/customXml" ds:itemID="{2C674307-C299-473D-A73D-C7DBA1A7BA16}">
   <ds:schemaRefs>
     <ds:schemaRef ds:uri="http://schemas.microsoft.com/office/2006/metadata/contentType"/>
@@ -11323,12 +11074,4 @@
     <ds:schemaRef ds:uri="http://schemas.microsoft.com/office/internal/2005/internalDocumentation"/>
   </ds:schemaRefs>
 </ds:datastoreItem>
-</file>
-
-<file path=customXml/itemProps3.xml><?xml version="1.0" encoding="utf-8"?>
-<ds:datastoreItem xmlns:ds="http://schemas.openxmlformats.org/officeDocument/2006/customXml" ds:itemID="{8ABB6DC8-0142-4676-96FE-F1693BA95046}">
-  <ds:schemaRefs>
-    <ds:schemaRef ds:uri="http://schemas.microsoft.com/sharepoint/v3/contenttype/forms"/>
-  </ds:schemaRefs>
-</ds:datastoreItem>
 </file>